--- a/JTAG.pptx
+++ b/JTAG.pptx
@@ -271,7 +271,7 @@
           <a:p>
             <a:fld id="{9B954B9A-3301-4DDC-9134-78FE43C52E62}" type="datetimeFigureOut">
               <a:rPr lang="zh-TW" altLang="en-US" smtClean="0"/>
-              <a:t>2023/9/19</a:t>
+              <a:t>2023/9/20</a:t>
             </a:fld>
             <a:endParaRPr lang="zh-TW" altLang="en-US"/>
           </a:p>
@@ -469,7 +469,7 @@
           <a:p>
             <a:fld id="{9B954B9A-3301-4DDC-9134-78FE43C52E62}" type="datetimeFigureOut">
               <a:rPr lang="zh-TW" altLang="en-US" smtClean="0"/>
-              <a:t>2023/9/19</a:t>
+              <a:t>2023/9/20</a:t>
             </a:fld>
             <a:endParaRPr lang="zh-TW" altLang="en-US"/>
           </a:p>
@@ -677,7 +677,7 @@
           <a:p>
             <a:fld id="{9B954B9A-3301-4DDC-9134-78FE43C52E62}" type="datetimeFigureOut">
               <a:rPr lang="zh-TW" altLang="en-US" smtClean="0"/>
-              <a:t>2023/9/19</a:t>
+              <a:t>2023/9/20</a:t>
             </a:fld>
             <a:endParaRPr lang="zh-TW" altLang="en-US"/>
           </a:p>
@@ -875,7 +875,7 @@
           <a:p>
             <a:fld id="{9B954B9A-3301-4DDC-9134-78FE43C52E62}" type="datetimeFigureOut">
               <a:rPr lang="zh-TW" altLang="en-US" smtClean="0"/>
-              <a:t>2023/9/19</a:t>
+              <a:t>2023/9/20</a:t>
             </a:fld>
             <a:endParaRPr lang="zh-TW" altLang="en-US"/>
           </a:p>
@@ -1150,7 +1150,7 @@
           <a:p>
             <a:fld id="{9B954B9A-3301-4DDC-9134-78FE43C52E62}" type="datetimeFigureOut">
               <a:rPr lang="zh-TW" altLang="en-US" smtClean="0"/>
-              <a:t>2023/9/19</a:t>
+              <a:t>2023/9/20</a:t>
             </a:fld>
             <a:endParaRPr lang="zh-TW" altLang="en-US"/>
           </a:p>
@@ -1415,7 +1415,7 @@
           <a:p>
             <a:fld id="{9B954B9A-3301-4DDC-9134-78FE43C52E62}" type="datetimeFigureOut">
               <a:rPr lang="zh-TW" altLang="en-US" smtClean="0"/>
-              <a:t>2023/9/19</a:t>
+              <a:t>2023/9/20</a:t>
             </a:fld>
             <a:endParaRPr lang="zh-TW" altLang="en-US"/>
           </a:p>
@@ -1827,7 +1827,7 @@
           <a:p>
             <a:fld id="{9B954B9A-3301-4DDC-9134-78FE43C52E62}" type="datetimeFigureOut">
               <a:rPr lang="zh-TW" altLang="en-US" smtClean="0"/>
-              <a:t>2023/9/19</a:t>
+              <a:t>2023/9/20</a:t>
             </a:fld>
             <a:endParaRPr lang="zh-TW" altLang="en-US"/>
           </a:p>
@@ -1968,7 +1968,7 @@
           <a:p>
             <a:fld id="{9B954B9A-3301-4DDC-9134-78FE43C52E62}" type="datetimeFigureOut">
               <a:rPr lang="zh-TW" altLang="en-US" smtClean="0"/>
-              <a:t>2023/9/19</a:t>
+              <a:t>2023/9/20</a:t>
             </a:fld>
             <a:endParaRPr lang="zh-TW" altLang="en-US"/>
           </a:p>
@@ -2081,7 +2081,7 @@
           <a:p>
             <a:fld id="{9B954B9A-3301-4DDC-9134-78FE43C52E62}" type="datetimeFigureOut">
               <a:rPr lang="zh-TW" altLang="en-US" smtClean="0"/>
-              <a:t>2023/9/19</a:t>
+              <a:t>2023/9/20</a:t>
             </a:fld>
             <a:endParaRPr lang="zh-TW" altLang="en-US"/>
           </a:p>
@@ -2392,7 +2392,7 @@
           <a:p>
             <a:fld id="{9B954B9A-3301-4DDC-9134-78FE43C52E62}" type="datetimeFigureOut">
               <a:rPr lang="zh-TW" altLang="en-US" smtClean="0"/>
-              <a:t>2023/9/19</a:t>
+              <a:t>2023/9/20</a:t>
             </a:fld>
             <a:endParaRPr lang="zh-TW" altLang="en-US"/>
           </a:p>
@@ -2680,7 +2680,7 @@
           <a:p>
             <a:fld id="{9B954B9A-3301-4DDC-9134-78FE43C52E62}" type="datetimeFigureOut">
               <a:rPr lang="zh-TW" altLang="en-US" smtClean="0"/>
-              <a:t>2023/9/19</a:t>
+              <a:t>2023/9/20</a:t>
             </a:fld>
             <a:endParaRPr lang="zh-TW" altLang="en-US"/>
           </a:p>
@@ -2921,7 +2921,7 @@
           <a:p>
             <a:fld id="{9B954B9A-3301-4DDC-9134-78FE43C52E62}" type="datetimeFigureOut">
               <a:rPr lang="zh-TW" altLang="en-US" smtClean="0"/>
-              <a:t>2023/9/19</a:t>
+              <a:t>2023/9/20</a:t>
             </a:fld>
             <a:endParaRPr lang="zh-TW" altLang="en-US"/>
           </a:p>
@@ -5110,6 +5110,54 @@
           </a:p>
         </p:txBody>
       </p:sp>
+      <p:sp>
+        <p:nvSpPr>
+          <p:cNvPr id="5" name="文字方塊 4">
+            <a:extLst>
+              <a:ext uri="{FF2B5EF4-FFF2-40B4-BE49-F238E27FC236}">
+                <a16:creationId xmlns:a16="http://schemas.microsoft.com/office/drawing/2014/main" id="{DD4AD387-007C-6926-1D02-450FF80D310D}"/>
+              </a:ext>
+            </a:extLst>
+          </p:cNvPr>
+          <p:cNvSpPr txBox="1"/>
+          <p:nvPr/>
+        </p:nvSpPr>
+        <p:spPr>
+          <a:xfrm>
+            <a:off x="11170024" y="5818094"/>
+            <a:ext cx="446243" cy="369332"/>
+          </a:xfrm>
+          <a:prstGeom prst="rect">
+            <a:avLst/>
+          </a:prstGeom>
+          <a:noFill/>
+        </p:spPr>
+        <p:txBody>
+          <a:bodyPr wrap="square" rtlCol="0">
+            <a:spAutoFit/>
+          </a:bodyPr>
+          <a:lstStyle/>
+          <a:p>
+            <a:r>
+              <a:rPr lang="en-US" altLang="zh-TW" dirty="0">
+                <a:solidFill>
+                  <a:schemeClr val="bg1">
+                    <a:lumMod val="75000"/>
+                  </a:schemeClr>
+                </a:solidFill>
+              </a:rPr>
+              <a:t>10</a:t>
+            </a:r>
+            <a:endParaRPr lang="zh-TW" altLang="en-US" dirty="0">
+              <a:solidFill>
+                <a:schemeClr val="bg1">
+                  <a:lumMod val="75000"/>
+                </a:schemeClr>
+              </a:solidFill>
+            </a:endParaRPr>
+          </a:p>
+        </p:txBody>
+      </p:sp>
     </p:spTree>
     <p:extLst>
       <p:ext uri="{BB962C8B-B14F-4D97-AF65-F5344CB8AC3E}">
@@ -5291,6 +5339,54 @@
               <a:t>BYPASS &amp; Pause</a:t>
             </a:r>
             <a:endParaRPr lang="zh-TW" altLang="en-US" dirty="0"/>
+          </a:p>
+        </p:txBody>
+      </p:sp>
+      <p:sp>
+        <p:nvSpPr>
+          <p:cNvPr id="3" name="文字方塊 2">
+            <a:extLst>
+              <a:ext uri="{FF2B5EF4-FFF2-40B4-BE49-F238E27FC236}">
+                <a16:creationId xmlns:a16="http://schemas.microsoft.com/office/drawing/2014/main" id="{C132E804-4AFE-F02D-9ADF-67D6951A92F3}"/>
+              </a:ext>
+            </a:extLst>
+          </p:cNvPr>
+          <p:cNvSpPr txBox="1"/>
+          <p:nvPr/>
+        </p:nvSpPr>
+        <p:spPr>
+          <a:xfrm>
+            <a:off x="11170024" y="5818094"/>
+            <a:ext cx="497043" cy="369332"/>
+          </a:xfrm>
+          <a:prstGeom prst="rect">
+            <a:avLst/>
+          </a:prstGeom>
+          <a:noFill/>
+        </p:spPr>
+        <p:txBody>
+          <a:bodyPr wrap="square" rtlCol="0">
+            <a:spAutoFit/>
+          </a:bodyPr>
+          <a:lstStyle/>
+          <a:p>
+            <a:r>
+              <a:rPr lang="en-US" altLang="zh-TW" dirty="0">
+                <a:solidFill>
+                  <a:schemeClr val="bg1">
+                    <a:lumMod val="75000"/>
+                  </a:schemeClr>
+                </a:solidFill>
+              </a:rPr>
+              <a:t>11</a:t>
+            </a:r>
+            <a:endParaRPr lang="zh-TW" altLang="en-US" dirty="0">
+              <a:solidFill>
+                <a:schemeClr val="bg1">
+                  <a:lumMod val="75000"/>
+                </a:schemeClr>
+              </a:solidFill>
+            </a:endParaRPr>
           </a:p>
         </p:txBody>
       </p:sp>
@@ -5478,6 +5574,54 @@
           </a:p>
         </p:txBody>
       </p:sp>
+      <p:sp>
+        <p:nvSpPr>
+          <p:cNvPr id="3" name="文字方塊 2">
+            <a:extLst>
+              <a:ext uri="{FF2B5EF4-FFF2-40B4-BE49-F238E27FC236}">
+                <a16:creationId xmlns:a16="http://schemas.microsoft.com/office/drawing/2014/main" id="{64DE752B-AFC5-999D-5DE6-2826E748882D}"/>
+              </a:ext>
+            </a:extLst>
+          </p:cNvPr>
+          <p:cNvSpPr txBox="1"/>
+          <p:nvPr/>
+        </p:nvSpPr>
+        <p:spPr>
+          <a:xfrm>
+            <a:off x="11170024" y="5818094"/>
+            <a:ext cx="497043" cy="369332"/>
+          </a:xfrm>
+          <a:prstGeom prst="rect">
+            <a:avLst/>
+          </a:prstGeom>
+          <a:noFill/>
+        </p:spPr>
+        <p:txBody>
+          <a:bodyPr wrap="square" rtlCol="0">
+            <a:spAutoFit/>
+          </a:bodyPr>
+          <a:lstStyle/>
+          <a:p>
+            <a:r>
+              <a:rPr lang="en-US" altLang="zh-TW" dirty="0">
+                <a:solidFill>
+                  <a:schemeClr val="bg1">
+                    <a:lumMod val="75000"/>
+                  </a:schemeClr>
+                </a:solidFill>
+              </a:rPr>
+              <a:t>12</a:t>
+            </a:r>
+            <a:endParaRPr lang="zh-TW" altLang="en-US" dirty="0">
+              <a:solidFill>
+                <a:schemeClr val="bg1">
+                  <a:lumMod val="75000"/>
+                </a:schemeClr>
+              </a:solidFill>
+            </a:endParaRPr>
+          </a:p>
+        </p:txBody>
+      </p:sp>
     </p:spTree>
     <p:extLst>
       <p:ext uri="{BB962C8B-B14F-4D97-AF65-F5344CB8AC3E}">
@@ -5662,6 +5806,54 @@
           </a:p>
         </p:txBody>
       </p:sp>
+      <p:sp>
+        <p:nvSpPr>
+          <p:cNvPr id="3" name="文字方塊 2">
+            <a:extLst>
+              <a:ext uri="{FF2B5EF4-FFF2-40B4-BE49-F238E27FC236}">
+                <a16:creationId xmlns:a16="http://schemas.microsoft.com/office/drawing/2014/main" id="{5C17EAD1-2211-AF13-888F-50CB7BA40C9B}"/>
+              </a:ext>
+            </a:extLst>
+          </p:cNvPr>
+          <p:cNvSpPr txBox="1"/>
+          <p:nvPr/>
+        </p:nvSpPr>
+        <p:spPr>
+          <a:xfrm>
+            <a:off x="11170024" y="5818094"/>
+            <a:ext cx="497043" cy="369332"/>
+          </a:xfrm>
+          <a:prstGeom prst="rect">
+            <a:avLst/>
+          </a:prstGeom>
+          <a:noFill/>
+        </p:spPr>
+        <p:txBody>
+          <a:bodyPr wrap="square" rtlCol="0">
+            <a:spAutoFit/>
+          </a:bodyPr>
+          <a:lstStyle/>
+          <a:p>
+            <a:r>
+              <a:rPr lang="en-US" altLang="zh-TW" dirty="0">
+                <a:solidFill>
+                  <a:schemeClr val="bg1">
+                    <a:lumMod val="75000"/>
+                  </a:schemeClr>
+                </a:solidFill>
+              </a:rPr>
+              <a:t>13</a:t>
+            </a:r>
+            <a:endParaRPr lang="zh-TW" altLang="en-US" dirty="0">
+              <a:solidFill>
+                <a:schemeClr val="bg1">
+                  <a:lumMod val="75000"/>
+                </a:schemeClr>
+              </a:solidFill>
+            </a:endParaRPr>
+          </a:p>
+        </p:txBody>
+      </p:sp>
     </p:spTree>
     <p:extLst>
       <p:ext uri="{BB962C8B-B14F-4D97-AF65-F5344CB8AC3E}">
@@ -5756,6 +5948,54 @@
           </a:xfrm>
         </p:spPr>
       </p:pic>
+      <p:sp>
+        <p:nvSpPr>
+          <p:cNvPr id="3" name="文字方塊 2">
+            <a:extLst>
+              <a:ext uri="{FF2B5EF4-FFF2-40B4-BE49-F238E27FC236}">
+                <a16:creationId xmlns:a16="http://schemas.microsoft.com/office/drawing/2014/main" id="{01ED7D9D-58F6-2336-0406-6C76EE63CB22}"/>
+              </a:ext>
+            </a:extLst>
+          </p:cNvPr>
+          <p:cNvSpPr txBox="1"/>
+          <p:nvPr/>
+        </p:nvSpPr>
+        <p:spPr>
+          <a:xfrm>
+            <a:off x="11170024" y="5818094"/>
+            <a:ext cx="376517" cy="369332"/>
+          </a:xfrm>
+          <a:prstGeom prst="rect">
+            <a:avLst/>
+          </a:prstGeom>
+          <a:noFill/>
+        </p:spPr>
+        <p:txBody>
+          <a:bodyPr wrap="square" rtlCol="0">
+            <a:spAutoFit/>
+          </a:bodyPr>
+          <a:lstStyle/>
+          <a:p>
+            <a:r>
+              <a:rPr lang="en-US" altLang="zh-TW" dirty="0">
+                <a:solidFill>
+                  <a:schemeClr val="bg1">
+                    <a:lumMod val="75000"/>
+                  </a:schemeClr>
+                </a:solidFill>
+              </a:rPr>
+              <a:t>2</a:t>
+            </a:r>
+            <a:endParaRPr lang="zh-TW" altLang="en-US" dirty="0">
+              <a:solidFill>
+                <a:schemeClr val="bg1">
+                  <a:lumMod val="75000"/>
+                </a:schemeClr>
+              </a:solidFill>
+            </a:endParaRPr>
+          </a:p>
+        </p:txBody>
+      </p:sp>
     </p:spTree>
     <p:extLst>
       <p:ext uri="{BB962C8B-B14F-4D97-AF65-F5344CB8AC3E}">
@@ -5961,6 +6201,54 @@
           </a:p>
         </p:txBody>
       </p:sp>
+      <p:sp>
+        <p:nvSpPr>
+          <p:cNvPr id="4" name="文字方塊 3">
+            <a:extLst>
+              <a:ext uri="{FF2B5EF4-FFF2-40B4-BE49-F238E27FC236}">
+                <a16:creationId xmlns:a16="http://schemas.microsoft.com/office/drawing/2014/main" id="{BFCDF03F-B170-7579-08EE-A53440C2DAE9}"/>
+              </a:ext>
+            </a:extLst>
+          </p:cNvPr>
+          <p:cNvSpPr txBox="1"/>
+          <p:nvPr/>
+        </p:nvSpPr>
+        <p:spPr>
+          <a:xfrm>
+            <a:off x="11170024" y="5818094"/>
+            <a:ext cx="376517" cy="369332"/>
+          </a:xfrm>
+          <a:prstGeom prst="rect">
+            <a:avLst/>
+          </a:prstGeom>
+          <a:noFill/>
+        </p:spPr>
+        <p:txBody>
+          <a:bodyPr wrap="square" rtlCol="0">
+            <a:spAutoFit/>
+          </a:bodyPr>
+          <a:lstStyle/>
+          <a:p>
+            <a:r>
+              <a:rPr lang="en-US" altLang="zh-TW" dirty="0">
+                <a:solidFill>
+                  <a:schemeClr val="bg1">
+                    <a:lumMod val="75000"/>
+                  </a:schemeClr>
+                </a:solidFill>
+              </a:rPr>
+              <a:t>3</a:t>
+            </a:r>
+            <a:endParaRPr lang="zh-TW" altLang="en-US" dirty="0">
+              <a:solidFill>
+                <a:schemeClr val="bg1">
+                  <a:lumMod val="75000"/>
+                </a:schemeClr>
+              </a:solidFill>
+            </a:endParaRPr>
+          </a:p>
+        </p:txBody>
+      </p:sp>
     </p:spTree>
     <p:extLst>
       <p:ext uri="{BB962C8B-B14F-4D97-AF65-F5344CB8AC3E}">
@@ -6195,6 +6483,54 @@
           </a:p>
         </p:txBody>
       </p:sp>
+      <p:sp>
+        <p:nvSpPr>
+          <p:cNvPr id="3" name="文字方塊 2">
+            <a:extLst>
+              <a:ext uri="{FF2B5EF4-FFF2-40B4-BE49-F238E27FC236}">
+                <a16:creationId xmlns:a16="http://schemas.microsoft.com/office/drawing/2014/main" id="{D321B922-0BA0-AF22-B5E9-69DEEE3EF874}"/>
+              </a:ext>
+            </a:extLst>
+          </p:cNvPr>
+          <p:cNvSpPr txBox="1"/>
+          <p:nvPr/>
+        </p:nvSpPr>
+        <p:spPr>
+          <a:xfrm>
+            <a:off x="11170024" y="5818094"/>
+            <a:ext cx="376517" cy="369332"/>
+          </a:xfrm>
+          <a:prstGeom prst="rect">
+            <a:avLst/>
+          </a:prstGeom>
+          <a:noFill/>
+        </p:spPr>
+        <p:txBody>
+          <a:bodyPr wrap="square" rtlCol="0">
+            <a:spAutoFit/>
+          </a:bodyPr>
+          <a:lstStyle/>
+          <a:p>
+            <a:r>
+              <a:rPr lang="en-US" altLang="zh-TW" dirty="0">
+                <a:solidFill>
+                  <a:schemeClr val="bg1">
+                    <a:lumMod val="75000"/>
+                  </a:schemeClr>
+                </a:solidFill>
+              </a:rPr>
+              <a:t>4</a:t>
+            </a:r>
+            <a:endParaRPr lang="zh-TW" altLang="en-US" dirty="0">
+              <a:solidFill>
+                <a:schemeClr val="bg1">
+                  <a:lumMod val="75000"/>
+                </a:schemeClr>
+              </a:solidFill>
+            </a:endParaRPr>
+          </a:p>
+        </p:txBody>
+      </p:sp>
     </p:spTree>
     <p:extLst>
       <p:ext uri="{BB962C8B-B14F-4D97-AF65-F5344CB8AC3E}">
@@ -6283,6 +6619,54 @@
           </a:xfrm>
         </p:spPr>
       </p:pic>
+      <p:sp>
+        <p:nvSpPr>
+          <p:cNvPr id="3" name="文字方塊 2">
+            <a:extLst>
+              <a:ext uri="{FF2B5EF4-FFF2-40B4-BE49-F238E27FC236}">
+                <a16:creationId xmlns:a16="http://schemas.microsoft.com/office/drawing/2014/main" id="{818D98DB-2573-CAD9-2667-72AFCE9A1FE4}"/>
+              </a:ext>
+            </a:extLst>
+          </p:cNvPr>
+          <p:cNvSpPr txBox="1"/>
+          <p:nvPr/>
+        </p:nvSpPr>
+        <p:spPr>
+          <a:xfrm>
+            <a:off x="11170024" y="5818094"/>
+            <a:ext cx="376517" cy="369332"/>
+          </a:xfrm>
+          <a:prstGeom prst="rect">
+            <a:avLst/>
+          </a:prstGeom>
+          <a:noFill/>
+        </p:spPr>
+        <p:txBody>
+          <a:bodyPr wrap="square" rtlCol="0">
+            <a:spAutoFit/>
+          </a:bodyPr>
+          <a:lstStyle/>
+          <a:p>
+            <a:r>
+              <a:rPr lang="en-US" altLang="zh-TW" dirty="0">
+                <a:solidFill>
+                  <a:schemeClr val="bg1">
+                    <a:lumMod val="75000"/>
+                  </a:schemeClr>
+                </a:solidFill>
+              </a:rPr>
+              <a:t>5</a:t>
+            </a:r>
+            <a:endParaRPr lang="zh-TW" altLang="en-US" dirty="0">
+              <a:solidFill>
+                <a:schemeClr val="bg1">
+                  <a:lumMod val="75000"/>
+                </a:schemeClr>
+              </a:solidFill>
+            </a:endParaRPr>
+          </a:p>
+        </p:txBody>
+      </p:sp>
     </p:spTree>
     <p:extLst>
       <p:ext uri="{BB962C8B-B14F-4D97-AF65-F5344CB8AC3E}">
@@ -6413,7 +6797,7 @@
                   </a:schemeClr>
                 </a:solidFill>
               </a:rPr>
-              <a:t>1</a:t>
+              <a:t>6</a:t>
             </a:r>
             <a:endParaRPr lang="zh-TW" altLang="en-US" dirty="0">
               <a:solidFill>
@@ -6868,6 +7252,54 @@
           </a:graphicData>
         </a:graphic>
       </p:graphicFrame>
+      <p:sp>
+        <p:nvSpPr>
+          <p:cNvPr id="3" name="文字方塊 2">
+            <a:extLst>
+              <a:ext uri="{FF2B5EF4-FFF2-40B4-BE49-F238E27FC236}">
+                <a16:creationId xmlns:a16="http://schemas.microsoft.com/office/drawing/2014/main" id="{5D17EFEA-8104-CAD8-4956-17108BD85C29}"/>
+              </a:ext>
+            </a:extLst>
+          </p:cNvPr>
+          <p:cNvSpPr txBox="1"/>
+          <p:nvPr/>
+        </p:nvSpPr>
+        <p:spPr>
+          <a:xfrm>
+            <a:off x="11170024" y="5818094"/>
+            <a:ext cx="376517" cy="369332"/>
+          </a:xfrm>
+          <a:prstGeom prst="rect">
+            <a:avLst/>
+          </a:prstGeom>
+          <a:noFill/>
+        </p:spPr>
+        <p:txBody>
+          <a:bodyPr wrap="square" rtlCol="0">
+            <a:spAutoFit/>
+          </a:bodyPr>
+          <a:lstStyle/>
+          <a:p>
+            <a:r>
+              <a:rPr lang="en-US" altLang="zh-TW" dirty="0">
+                <a:solidFill>
+                  <a:schemeClr val="bg1">
+                    <a:lumMod val="75000"/>
+                  </a:schemeClr>
+                </a:solidFill>
+              </a:rPr>
+              <a:t>7</a:t>
+            </a:r>
+            <a:endParaRPr lang="zh-TW" altLang="en-US" dirty="0">
+              <a:solidFill>
+                <a:schemeClr val="bg1">
+                  <a:lumMod val="75000"/>
+                </a:schemeClr>
+              </a:solidFill>
+            </a:endParaRPr>
+          </a:p>
+        </p:txBody>
+      </p:sp>
     </p:spTree>
     <p:extLst>
       <p:ext uri="{BB962C8B-B14F-4D97-AF65-F5344CB8AC3E}">
@@ -7100,6 +7532,54 @@
           </a:p>
         </p:txBody>
       </p:sp>
+      <p:sp>
+        <p:nvSpPr>
+          <p:cNvPr id="4" name="文字方塊 3">
+            <a:extLst>
+              <a:ext uri="{FF2B5EF4-FFF2-40B4-BE49-F238E27FC236}">
+                <a16:creationId xmlns:a16="http://schemas.microsoft.com/office/drawing/2014/main" id="{F6457E3E-74E4-EFD1-5DC8-02BEF38A1851}"/>
+              </a:ext>
+            </a:extLst>
+          </p:cNvPr>
+          <p:cNvSpPr txBox="1"/>
+          <p:nvPr/>
+        </p:nvSpPr>
+        <p:spPr>
+          <a:xfrm>
+            <a:off x="11170024" y="5818094"/>
+            <a:ext cx="376517" cy="369332"/>
+          </a:xfrm>
+          <a:prstGeom prst="rect">
+            <a:avLst/>
+          </a:prstGeom>
+          <a:noFill/>
+        </p:spPr>
+        <p:txBody>
+          <a:bodyPr wrap="square" rtlCol="0">
+            <a:spAutoFit/>
+          </a:bodyPr>
+          <a:lstStyle/>
+          <a:p>
+            <a:r>
+              <a:rPr lang="en-US" altLang="zh-TW" dirty="0">
+                <a:solidFill>
+                  <a:schemeClr val="bg1">
+                    <a:lumMod val="75000"/>
+                  </a:schemeClr>
+                </a:solidFill>
+              </a:rPr>
+              <a:t>8</a:t>
+            </a:r>
+            <a:endParaRPr lang="zh-TW" altLang="en-US" dirty="0">
+              <a:solidFill>
+                <a:schemeClr val="bg1">
+                  <a:lumMod val="75000"/>
+                </a:schemeClr>
+              </a:solidFill>
+            </a:endParaRPr>
+          </a:p>
+        </p:txBody>
+      </p:sp>
     </p:spTree>
     <p:extLst>
       <p:ext uri="{BB962C8B-B14F-4D97-AF65-F5344CB8AC3E}">
@@ -7188,6 +7668,54 @@
           </a:xfrm>
         </p:spPr>
       </p:pic>
+      <p:sp>
+        <p:nvSpPr>
+          <p:cNvPr id="3" name="文字方塊 2">
+            <a:extLst>
+              <a:ext uri="{FF2B5EF4-FFF2-40B4-BE49-F238E27FC236}">
+                <a16:creationId xmlns:a16="http://schemas.microsoft.com/office/drawing/2014/main" id="{1F066698-DD69-0EE0-6C4C-2FDB522B2CAE}"/>
+              </a:ext>
+            </a:extLst>
+          </p:cNvPr>
+          <p:cNvSpPr txBox="1"/>
+          <p:nvPr/>
+        </p:nvSpPr>
+        <p:spPr>
+          <a:xfrm>
+            <a:off x="11170024" y="5818094"/>
+            <a:ext cx="376517" cy="369332"/>
+          </a:xfrm>
+          <a:prstGeom prst="rect">
+            <a:avLst/>
+          </a:prstGeom>
+          <a:noFill/>
+        </p:spPr>
+        <p:txBody>
+          <a:bodyPr wrap="square" rtlCol="0">
+            <a:spAutoFit/>
+          </a:bodyPr>
+          <a:lstStyle/>
+          <a:p>
+            <a:r>
+              <a:rPr lang="en-US" altLang="zh-TW" dirty="0">
+                <a:solidFill>
+                  <a:schemeClr val="bg1">
+                    <a:lumMod val="75000"/>
+                  </a:schemeClr>
+                </a:solidFill>
+              </a:rPr>
+              <a:t>9</a:t>
+            </a:r>
+            <a:endParaRPr lang="zh-TW" altLang="en-US" dirty="0">
+              <a:solidFill>
+                <a:schemeClr val="bg1">
+                  <a:lumMod val="75000"/>
+                </a:schemeClr>
+              </a:solidFill>
+            </a:endParaRPr>
+          </a:p>
+        </p:txBody>
+      </p:sp>
     </p:spTree>
     <p:extLst>
       <p:ext uri="{BB962C8B-B14F-4D97-AF65-F5344CB8AC3E}">
